--- a/FinalProject/presentation.pptx
+++ b/FinalProject/presentation.pptx
@@ -5231,8 +5231,13 @@
           <a:p>
             <a:r>
               <a:rPr lang="en-US" b="1" dirty="0"/>
-              <a:t>Challenges</a:t>
-            </a:r>
+              <a:t>Challenges </a:t>
+            </a:r>
+            <a:r>
+              <a:rPr lang="en-US" b="1"/>
+              <a:t>and Limitations</a:t>
+            </a:r>
+            <a:endParaRPr lang="en-US" b="1" dirty="0"/>
           </a:p>
         </p:txBody>
       </p:sp>
@@ -5263,7 +5268,7 @@
           <a:lstStyle/>
           <a:p>
             <a:r>
-              <a:rPr lang="en-US" dirty="0">
+              <a:rPr lang="en-US" sz="2400" dirty="0">
                 <a:solidFill>
                   <a:schemeClr val="tx1"/>
                 </a:solidFill>
@@ -5273,12 +5278,22 @@
           </a:p>
           <a:p>
             <a:r>
-              <a:rPr lang="en-US" dirty="0">
+              <a:rPr lang="en-US" sz="2400" dirty="0">
                 <a:solidFill>
                   <a:schemeClr val="tx1"/>
                 </a:solidFill>
               </a:rPr>
               <a:t>Use of multiple legends in one map was interesting and way difficult to implement than I thought it would be</a:t>
+            </a:r>
+          </a:p>
+          <a:p>
+            <a:r>
+              <a:rPr lang="en-US" sz="2400" dirty="0">
+                <a:solidFill>
+                  <a:schemeClr val="tx1"/>
+                </a:solidFill>
+              </a:rPr>
+              <a:t>I wanted to show the City of Des Moines the same way. But the data quality and lack of time did not allow me to do that</a:t>
             </a:r>
           </a:p>
         </p:txBody>
